--- a/1 - Avant Projet/2 - Outils/14 - SWOT - a finir.pptx
+++ b/1 - Avant Projet/2 - Outils/14 - SWOT - a finir.pptx
@@ -104,6 +104,11 @@
       </a:defRPr>
     </a:lvl9pPr>
   </p:defaultTextStyle>
+  <p:extLst>
+    <p:ext uri="{EFAFB233-063F-42B5-8137-9DF3F51BA10A}">
+      <p15:sldGuideLst xmlns:p15="http://schemas.microsoft.com/office/powerpoint/2012/main"/>
+    </p:ext>
+  </p:extLst>
 </p:presentation>
 </file>
 
@@ -238,7 +243,7 @@
           <a:p>
             <a:fld id="{4D10ACAB-7944-49B1-AE2D-CDBD8AA6C240}" type="datetimeFigureOut">
               <a:rPr lang="fr-FR" smtClean="0"/>
-              <a:t>24/05/2018</a:t>
+              <a:t>28/05/2018</a:t>
             </a:fld>
             <a:endParaRPr lang="fr-FR"/>
           </a:p>
@@ -408,7 +413,7 @@
           <a:p>
             <a:fld id="{4D10ACAB-7944-49B1-AE2D-CDBD8AA6C240}" type="datetimeFigureOut">
               <a:rPr lang="fr-FR" smtClean="0"/>
-              <a:t>24/05/2018</a:t>
+              <a:t>28/05/2018</a:t>
             </a:fld>
             <a:endParaRPr lang="fr-FR"/>
           </a:p>
@@ -588,7 +593,7 @@
           <a:p>
             <a:fld id="{4D10ACAB-7944-49B1-AE2D-CDBD8AA6C240}" type="datetimeFigureOut">
               <a:rPr lang="fr-FR" smtClean="0"/>
-              <a:t>24/05/2018</a:t>
+              <a:t>28/05/2018</a:t>
             </a:fld>
             <a:endParaRPr lang="fr-FR"/>
           </a:p>
@@ -758,7 +763,7 @@
           <a:p>
             <a:fld id="{4D10ACAB-7944-49B1-AE2D-CDBD8AA6C240}" type="datetimeFigureOut">
               <a:rPr lang="fr-FR" smtClean="0"/>
-              <a:t>24/05/2018</a:t>
+              <a:t>28/05/2018</a:t>
             </a:fld>
             <a:endParaRPr lang="fr-FR"/>
           </a:p>
@@ -1004,7 +1009,7 @@
           <a:p>
             <a:fld id="{4D10ACAB-7944-49B1-AE2D-CDBD8AA6C240}" type="datetimeFigureOut">
               <a:rPr lang="fr-FR" smtClean="0"/>
-              <a:t>24/05/2018</a:t>
+              <a:t>28/05/2018</a:t>
             </a:fld>
             <a:endParaRPr lang="fr-FR"/>
           </a:p>
@@ -1236,7 +1241,7 @@
           <a:p>
             <a:fld id="{4D10ACAB-7944-49B1-AE2D-CDBD8AA6C240}" type="datetimeFigureOut">
               <a:rPr lang="fr-FR" smtClean="0"/>
-              <a:t>24/05/2018</a:t>
+              <a:t>28/05/2018</a:t>
             </a:fld>
             <a:endParaRPr lang="fr-FR"/>
           </a:p>
@@ -1603,7 +1608,7 @@
           <a:p>
             <a:fld id="{4D10ACAB-7944-49B1-AE2D-CDBD8AA6C240}" type="datetimeFigureOut">
               <a:rPr lang="fr-FR" smtClean="0"/>
-              <a:t>24/05/2018</a:t>
+              <a:t>28/05/2018</a:t>
             </a:fld>
             <a:endParaRPr lang="fr-FR"/>
           </a:p>
@@ -1721,7 +1726,7 @@
           <a:p>
             <a:fld id="{4D10ACAB-7944-49B1-AE2D-CDBD8AA6C240}" type="datetimeFigureOut">
               <a:rPr lang="fr-FR" smtClean="0"/>
-              <a:t>24/05/2018</a:t>
+              <a:t>28/05/2018</a:t>
             </a:fld>
             <a:endParaRPr lang="fr-FR"/>
           </a:p>
@@ -1816,7 +1821,7 @@
           <a:p>
             <a:fld id="{4D10ACAB-7944-49B1-AE2D-CDBD8AA6C240}" type="datetimeFigureOut">
               <a:rPr lang="fr-FR" smtClean="0"/>
-              <a:t>24/05/2018</a:t>
+              <a:t>28/05/2018</a:t>
             </a:fld>
             <a:endParaRPr lang="fr-FR"/>
           </a:p>
@@ -2093,7 +2098,7 @@
           <a:p>
             <a:fld id="{4D10ACAB-7944-49B1-AE2D-CDBD8AA6C240}" type="datetimeFigureOut">
               <a:rPr lang="fr-FR" smtClean="0"/>
-              <a:t>24/05/2018</a:t>
+              <a:t>28/05/2018</a:t>
             </a:fld>
             <a:endParaRPr lang="fr-FR"/>
           </a:p>
@@ -2346,7 +2351,7 @@
           <a:p>
             <a:fld id="{4D10ACAB-7944-49B1-AE2D-CDBD8AA6C240}" type="datetimeFigureOut">
               <a:rPr lang="fr-FR" smtClean="0"/>
-              <a:t>24/05/2018</a:t>
+              <a:t>28/05/2018</a:t>
             </a:fld>
             <a:endParaRPr lang="fr-FR"/>
           </a:p>
@@ -2559,7 +2564,7 @@
           <a:p>
             <a:fld id="{4D10ACAB-7944-49B1-AE2D-CDBD8AA6C240}" type="datetimeFigureOut">
               <a:rPr lang="fr-FR" smtClean="0"/>
-              <a:t>24/05/2018</a:t>
+              <a:t>28/05/2018</a:t>
             </a:fld>
             <a:endParaRPr lang="fr-FR"/>
           </a:p>
@@ -2973,7 +2978,7 @@
           <p:nvPr>
             <p:extLst>
               <p:ext uri="{D42A27DB-BD31-4B8C-83A1-F6EECF244321}">
-                <p14:modId xmlns:p14="http://schemas.microsoft.com/office/powerpoint/2010/main" val="1729939247"/>
+                <p14:modId xmlns:p14="http://schemas.microsoft.com/office/powerpoint/2010/main" val="2387618354"/>
               </p:ext>
             </p:extLst>
           </p:nvPr>
@@ -3030,6 +3035,14 @@
                     <a:bodyPr/>
                     <a:lstStyle/>
                     <a:p>
+                      <a:r>
+                        <a:rPr lang="fr-FR" dirty="0" smtClean="0"/>
+                        <a:t>Rendre l’apprentissage plus facile d’accès et</a:t>
+                      </a:r>
+                      <a:r>
+                        <a:rPr lang="fr-FR" baseline="0" dirty="0" smtClean="0"/>
+                        <a:t> ludique</a:t>
+                      </a:r>
                       <a:endParaRPr lang="fr-FR" dirty="0"/>
                     </a:p>
                   </a:txBody>
@@ -3040,6 +3053,24 @@
                     <a:bodyPr/>
                     <a:lstStyle/>
                     <a:p>
+                      <a:r>
+                        <a:rPr lang="fr-FR" dirty="0" smtClean="0"/>
+                        <a:t>Public</a:t>
+                      </a:r>
+                      <a:r>
+                        <a:rPr lang="fr-FR" baseline="0" dirty="0" smtClean="0"/>
+                        <a:t> et thème restreint</a:t>
+                      </a:r>
+                    </a:p>
+                    <a:p>
+                      <a:r>
+                        <a:rPr lang="fr-FR" baseline="0" dirty="0" smtClean="0"/>
+                        <a:t>Temps </a:t>
+                      </a:r>
+                      <a:r>
+                        <a:rPr lang="fr-FR" baseline="0" smtClean="0"/>
+                        <a:t>de développement court</a:t>
+                      </a:r>
                       <a:endParaRPr lang="fr-FR" dirty="0"/>
                     </a:p>
                   </a:txBody>
@@ -3059,7 +3090,7 @@
           <p:nvPr>
             <p:extLst>
               <p:ext uri="{D42A27DB-BD31-4B8C-83A1-F6EECF244321}">
-                <p14:modId xmlns:p14="http://schemas.microsoft.com/office/powerpoint/2010/main" val="1911286235"/>
+                <p14:modId xmlns:p14="http://schemas.microsoft.com/office/powerpoint/2010/main" val="3194927129"/>
               </p:ext>
             </p:extLst>
           </p:nvPr>
@@ -3116,7 +3147,15 @@
                     <a:bodyPr/>
                     <a:lstStyle/>
                     <a:p>
-                      <a:endParaRPr lang="fr-FR"/>
+                      <a:r>
+                        <a:rPr lang="fr-FR" dirty="0" smtClean="0"/>
+                        <a:t>Opportunité pour l’IUT de</a:t>
+                      </a:r>
+                      <a:r>
+                        <a:rPr lang="fr-FR" baseline="0" dirty="0" smtClean="0"/>
+                        <a:t> développer un réseau de jeux ludiques pour entraîner les élèves</a:t>
+                      </a:r>
+                      <a:endParaRPr lang="fr-FR" dirty="0"/>
                     </a:p>
                   </a:txBody>
                   <a:tcPr/>
@@ -3125,6 +3164,34 @@
                   <a:txBody>
                     <a:bodyPr/>
                     <a:lstStyle/>
+                    <a:p>
+                      <a:pPr marL="0" marR="0" lvl="0" indent="0" algn="l" defTabSz="914400" rtl="0" eaLnBrk="1" fontAlgn="auto" latinLnBrk="0" hangingPunct="1">
+                        <a:lnSpc>
+                          <a:spcPct val="100000"/>
+                        </a:lnSpc>
+                        <a:spcBef>
+                          <a:spcPts val="0"/>
+                        </a:spcBef>
+                        <a:spcAft>
+                          <a:spcPts val="0"/>
+                        </a:spcAft>
+                        <a:buClrTx/>
+                        <a:buSzTx/>
+                        <a:buFontTx/>
+                        <a:buNone/>
+                        <a:tabLst/>
+                        <a:defRPr/>
+                      </a:pPr>
+                      <a:r>
+                        <a:rPr lang="fr-FR" dirty="0" smtClean="0"/>
+                        <a:t>Jeu qui ne garde pas</a:t>
+                      </a:r>
+                      <a:r>
+                        <a:rPr lang="fr-FR" baseline="0" dirty="0" smtClean="0"/>
+                        <a:t> le joueur impliqué</a:t>
+                      </a:r>
+                      <a:endParaRPr lang="fr-FR" dirty="0" smtClean="0"/>
+                    </a:p>
                     <a:p>
                       <a:endParaRPr lang="fr-FR" dirty="0"/>
                     </a:p>
